--- a/Buoi16_Mysql/Buoi16_Sql_CoBan.pptx
+++ b/Buoi16_Mysql/Buoi16_Sql_CoBan.pptx
@@ -361,7 +361,7 @@
           <a:p>
             <a:fld id="{1D8BD707-D9CF-40AE-B4C6-C98DA3205C09}" type="datetimeFigureOut">
               <a:rPr lang="en-US"/>
-              <a:t>1/10/2024</a:t>
+              <a:t>9/13/2024</a:t>
             </a:fld>
             <a:endParaRPr lang="en-US"/>
           </a:p>
@@ -594,7 +594,7 @@
           <a:p>
             <a:fld id="{1D8BD707-D9CF-40AE-B4C6-C98DA3205C09}" type="datetimeFigureOut">
               <a:rPr lang="en-US"/>
-              <a:t>1/10/2024</a:t>
+              <a:t>9/13/2024</a:t>
             </a:fld>
             <a:endParaRPr lang="en-US"/>
           </a:p>
@@ -866,7 +866,7 @@
           <a:p>
             <a:fld id="{1D8BD707-D9CF-40AE-B4C6-C98DA3205C09}" type="datetimeFigureOut">
               <a:rPr lang="en-US"/>
-              <a:t>1/10/2024</a:t>
+              <a:t>9/13/2024</a:t>
             </a:fld>
             <a:endParaRPr lang="en-US"/>
           </a:p>
@@ -1072,7 +1072,7 @@
           <a:p>
             <a:fld id="{1D8BD707-D9CF-40AE-B4C6-C98DA3205C09}" type="datetimeFigureOut">
               <a:rPr lang="en-US"/>
-              <a:t>1/10/2024</a:t>
+              <a:t>9/13/2024</a:t>
             </a:fld>
             <a:endParaRPr lang="en-US"/>
           </a:p>
@@ -1249,7 +1249,7 @@
           <a:p>
             <a:fld id="{1D8BD707-D9CF-40AE-B4C6-C98DA3205C09}" type="datetimeFigureOut">
               <a:rPr lang="en-US"/>
-              <a:t>1/10/2024</a:t>
+              <a:t>9/13/2024</a:t>
             </a:fld>
             <a:endParaRPr lang="en-US"/>
           </a:p>
@@ -1858,7 +1858,7 @@
           <a:p>
             <a:fld id="{1D8BD707-D9CF-40AE-B4C6-C98DA3205C09}" type="datetimeFigureOut">
               <a:rPr lang="en-US"/>
-              <a:t>1/10/2024</a:t>
+              <a:t>9/13/2024</a:t>
             </a:fld>
             <a:endParaRPr lang="en-US"/>
           </a:p>
@@ -12337,8 +12337,8 @@
         </p:blipFill>
         <p:spPr>
           <a:xfrm>
-            <a:off x="1676400" y="3855269"/>
-            <a:ext cx="4048690" cy="466790"/>
+            <a:off x="1905000" y="3810000"/>
+            <a:ext cx="5763167" cy="664459"/>
           </a:xfrm>
           <a:prstGeom prst="rect">
             <a:avLst/>
@@ -12361,8 +12361,8 @@
         </p:blipFill>
         <p:spPr>
           <a:xfrm>
-            <a:off x="1636173" y="5381326"/>
-            <a:ext cx="4039164" cy="571580"/>
+            <a:off x="1905000" y="5257800"/>
+            <a:ext cx="5450561" cy="771306"/>
           </a:xfrm>
           <a:prstGeom prst="rect">
             <a:avLst/>
@@ -18302,7 +18302,7 @@
         <p:spPr>
           <a:xfrm>
             <a:off x="482295" y="1367409"/>
-            <a:ext cx="10720070" cy="2223044"/>
+            <a:ext cx="10720070" cy="3141245"/>
           </a:xfrm>
           <a:prstGeom prst="rect">
             <a:avLst/>
@@ -18583,6 +18583,34 @@
               </a:spcBef>
             </a:pPr>
             <a:endParaRPr lang="en-US" sz="2900" dirty="0" smtClean="0">
+              <a:latin typeface="Times New Roman"/>
+              <a:cs typeface="Times New Roman"/>
+            </a:endParaRPr>
+          </a:p>
+          <a:p>
+            <a:pPr marL="12700">
+              <a:lnSpc>
+                <a:spcPct val="100000"/>
+              </a:lnSpc>
+              <a:spcBef>
+                <a:spcPts val="95"/>
+              </a:spcBef>
+            </a:pPr>
+            <a:endParaRPr lang="en-US" sz="2900" dirty="0" smtClean="0">
+              <a:latin typeface="Times New Roman"/>
+              <a:cs typeface="Times New Roman"/>
+            </a:endParaRPr>
+          </a:p>
+          <a:p>
+            <a:pPr marL="12700">
+              <a:lnSpc>
+                <a:spcPct val="100000"/>
+              </a:lnSpc>
+              <a:spcBef>
+                <a:spcPts val="95"/>
+              </a:spcBef>
+            </a:pPr>
+            <a:endParaRPr lang="en-US" sz="2900" dirty="0">
               <a:latin typeface="Times New Roman"/>
               <a:cs typeface="Times New Roman"/>
             </a:endParaRPr>
@@ -18953,8 +18981,8 @@
         </p:blipFill>
         <p:spPr>
           <a:xfrm>
-            <a:off x="3351195" y="1922878"/>
-            <a:ext cx="4982270" cy="543001"/>
+            <a:off x="2893440" y="2209800"/>
+            <a:ext cx="7243813" cy="789479"/>
           </a:xfrm>
           <a:prstGeom prst="rect">
             <a:avLst/>
@@ -18977,8 +19005,8 @@
         </p:blipFill>
         <p:spPr>
           <a:xfrm>
-            <a:off x="3351195" y="3911548"/>
-            <a:ext cx="5163271" cy="523948"/>
+            <a:off x="2900528" y="5012641"/>
+            <a:ext cx="7579399" cy="769127"/>
           </a:xfrm>
           <a:prstGeom prst="rect">
             <a:avLst/>
@@ -20810,8 +20838,8 @@
         </p:blipFill>
         <p:spPr>
           <a:xfrm>
-            <a:off x="3657600" y="2040051"/>
-            <a:ext cx="3600953" cy="666843"/>
+            <a:off x="1676400" y="2241366"/>
+            <a:ext cx="5153189" cy="954294"/>
           </a:xfrm>
           <a:prstGeom prst="rect">
             <a:avLst/>
@@ -20834,7 +20862,7 @@
         </p:blipFill>
         <p:spPr>
           <a:xfrm>
-            <a:off x="1658706" y="2914008"/>
+            <a:off x="1676400" y="3429000"/>
             <a:ext cx="8049748" cy="3115110"/>
           </a:xfrm>
           <a:prstGeom prst="rect">
@@ -24044,8 +24072,8 @@
         </p:blipFill>
         <p:spPr>
           <a:xfrm>
-            <a:off x="1524000" y="4615817"/>
-            <a:ext cx="3086531" cy="514422"/>
+            <a:off x="1539793" y="4724400"/>
+            <a:ext cx="5635432" cy="939239"/>
           </a:xfrm>
           <a:prstGeom prst="rect">
             <a:avLst/>
@@ -24805,8 +24833,8 @@
         </p:blipFill>
         <p:spPr>
           <a:xfrm>
-            <a:off x="1676400" y="4724554"/>
-            <a:ext cx="3229426" cy="543001"/>
+            <a:off x="1477835" y="4981878"/>
+            <a:ext cx="4898370" cy="823620"/>
           </a:xfrm>
           <a:prstGeom prst="rect">
             <a:avLst/>
@@ -25546,8 +25574,8 @@
         </p:blipFill>
         <p:spPr>
           <a:xfrm>
-            <a:off x="1752600" y="4495800"/>
-            <a:ext cx="2800741" cy="523948"/>
+            <a:off x="1600200" y="4800600"/>
+            <a:ext cx="5652007" cy="1057348"/>
           </a:xfrm>
           <a:prstGeom prst="rect">
             <a:avLst/>
@@ -26442,8 +26470,8 @@
         </p:blipFill>
         <p:spPr>
           <a:xfrm>
-            <a:off x="1600200" y="5039777"/>
-            <a:ext cx="3286584" cy="743054"/>
+            <a:off x="1600200" y="4953000"/>
+            <a:ext cx="4857103" cy="1098128"/>
           </a:xfrm>
           <a:prstGeom prst="rect">
             <a:avLst/>
@@ -27338,8 +27366,8 @@
         </p:blipFill>
         <p:spPr>
           <a:xfrm>
-            <a:off x="1600200" y="5011190"/>
-            <a:ext cx="3019846" cy="628738"/>
+            <a:off x="1600200" y="5064425"/>
+            <a:ext cx="4031316" cy="839328"/>
           </a:xfrm>
           <a:prstGeom prst="rect">
             <a:avLst/>
@@ -30142,8 +30170,8 @@
         </p:blipFill>
         <p:spPr>
           <a:xfrm>
-            <a:off x="2667000" y="5407635"/>
-            <a:ext cx="3972479" cy="447737"/>
+            <a:off x="1066800" y="5490049"/>
+            <a:ext cx="7330086" cy="826172"/>
           </a:xfrm>
           <a:prstGeom prst="rect">
             <a:avLst/>
@@ -35123,8 +35151,8 @@
         </p:blipFill>
         <p:spPr>
           <a:xfrm>
-            <a:off x="1085427" y="3611584"/>
-            <a:ext cx="6058746" cy="743054"/>
+            <a:off x="990600" y="3962400"/>
+            <a:ext cx="7547507" cy="925638"/>
           </a:xfrm>
           <a:prstGeom prst="rect">
             <a:avLst/>
@@ -36476,8 +36504,8 @@
         </p:blipFill>
         <p:spPr>
           <a:xfrm>
-            <a:off x="3124200" y="4191000"/>
-            <a:ext cx="5687219" cy="581106"/>
+            <a:off x="1600200" y="4419600"/>
+            <a:ext cx="7218740" cy="737593"/>
           </a:xfrm>
           <a:prstGeom prst="rect">
             <a:avLst/>
@@ -37839,8 +37867,8 @@
         </p:blipFill>
         <p:spPr>
           <a:xfrm>
-            <a:off x="2514600" y="4136864"/>
-            <a:ext cx="5982535" cy="523948"/>
+            <a:off x="1371600" y="4419600"/>
+            <a:ext cx="9318792" cy="816136"/>
           </a:xfrm>
           <a:prstGeom prst="rect">
             <a:avLst/>
@@ -38510,8 +38538,8 @@
         </p:blipFill>
         <p:spPr>
           <a:xfrm>
-            <a:off x="2286000" y="3446564"/>
-            <a:ext cx="7268589" cy="704948"/>
+            <a:off x="914400" y="3505200"/>
+            <a:ext cx="9247111" cy="896836"/>
           </a:xfrm>
           <a:prstGeom prst="rect">
             <a:avLst/>
@@ -39439,8 +39467,8 @@
         </p:blipFill>
         <p:spPr>
           <a:xfrm>
-            <a:off x="2362200" y="4038600"/>
-            <a:ext cx="7344800" cy="676369"/>
+            <a:off x="990600" y="3962400"/>
+            <a:ext cx="8839200" cy="813986"/>
           </a:xfrm>
           <a:prstGeom prst="rect">
             <a:avLst/>
@@ -47109,8 +47137,8 @@
         </p:blipFill>
         <p:spPr>
           <a:xfrm>
-            <a:off x="1524000" y="4737346"/>
-            <a:ext cx="2295845" cy="724001"/>
+            <a:off x="1524000" y="4731105"/>
+            <a:ext cx="4328153" cy="1364895"/>
           </a:xfrm>
           <a:prstGeom prst="rect">
             <a:avLst/>
@@ -47717,8 +47745,8 @@
         </p:blipFill>
         <p:spPr>
           <a:xfrm>
-            <a:off x="1371600" y="3048000"/>
-            <a:ext cx="3048425" cy="714475"/>
+            <a:off x="654507" y="3323156"/>
+            <a:ext cx="3901438" cy="914400"/>
           </a:xfrm>
           <a:prstGeom prst="rect">
             <a:avLst/>
@@ -48486,8 +48514,8 @@
         </p:blipFill>
         <p:spPr>
           <a:xfrm>
-            <a:off x="820924" y="4753160"/>
-            <a:ext cx="6954220" cy="485843"/>
+            <a:off x="641705" y="5124709"/>
+            <a:ext cx="8623056" cy="602433"/>
           </a:xfrm>
           <a:prstGeom prst="rect">
             <a:avLst/>
@@ -48510,7 +48538,7 @@
         </p:blipFill>
         <p:spPr>
           <a:xfrm>
-            <a:off x="7845754" y="3776881"/>
+            <a:off x="5703383" y="2528969"/>
             <a:ext cx="4192644" cy="2438400"/>
           </a:xfrm>
           <a:prstGeom prst="rect">
@@ -49880,8 +49908,8 @@
         </p:blipFill>
         <p:spPr>
           <a:xfrm>
-            <a:off x="3200400" y="1726948"/>
-            <a:ext cx="3753374" cy="466790"/>
+            <a:off x="2160181" y="2200034"/>
+            <a:ext cx="6816926" cy="847790"/>
           </a:xfrm>
           <a:prstGeom prst="rect">
             <a:avLst/>
@@ -49904,7 +49932,7 @@
         </p:blipFill>
         <p:spPr>
           <a:xfrm>
-            <a:off x="1524000" y="2667802"/>
+            <a:off x="2133600" y="3429000"/>
             <a:ext cx="8087854" cy="2886478"/>
           </a:xfrm>
           <a:prstGeom prst="rect">
